--- a/Bilim Tarihinde Kadınların Gecikmiş Katılımı ; Engeller , Algılar ve Dönüşümler MP2.pptx
+++ b/Bilim Tarihinde Kadınların Gecikmiş Katılımı ; Engeller , Algılar ve Dönüşümler MP2.pptx
@@ -335,7 +335,7 @@
             <a:fld id="{1D8BD707-D9CF-40AE-B4C6-C98DA3205C09}" type="datetimeFigureOut">
               <a:rPr lang="en-US" smtClean="0"/>
               <a:pPr/>
-              <a:t>10/22/2025</a:t>
+              <a:t>10/29/2025</a:t>
             </a:fld>
             <a:endParaRPr lang="en-US"/>
           </a:p>
@@ -500,7 +500,7 @@
             <a:fld id="{1D8BD707-D9CF-40AE-B4C6-C98DA3205C09}" type="datetimeFigureOut">
               <a:rPr lang="en-US" smtClean="0"/>
               <a:pPr/>
-              <a:t>10/22/2025</a:t>
+              <a:t>10/29/2025</a:t>
             </a:fld>
             <a:endParaRPr lang="en-US"/>
           </a:p>
@@ -675,7 +675,7 @@
             <a:fld id="{1D8BD707-D9CF-40AE-B4C6-C98DA3205C09}" type="datetimeFigureOut">
               <a:rPr lang="en-US" smtClean="0"/>
               <a:pPr/>
-              <a:t>10/22/2025</a:t>
+              <a:t>10/29/2025</a:t>
             </a:fld>
             <a:endParaRPr lang="en-US"/>
           </a:p>
@@ -840,7 +840,7 @@
             <a:fld id="{1D8BD707-D9CF-40AE-B4C6-C98DA3205C09}" type="datetimeFigureOut">
               <a:rPr lang="en-US" smtClean="0"/>
               <a:pPr/>
-              <a:t>10/22/2025</a:t>
+              <a:t>10/29/2025</a:t>
             </a:fld>
             <a:endParaRPr lang="en-US"/>
           </a:p>
@@ -1082,7 +1082,7 @@
             <a:fld id="{1D8BD707-D9CF-40AE-B4C6-C98DA3205C09}" type="datetimeFigureOut">
               <a:rPr lang="en-US" smtClean="0"/>
               <a:pPr/>
-              <a:t>10/22/2025</a:t>
+              <a:t>10/29/2025</a:t>
             </a:fld>
             <a:endParaRPr lang="en-US"/>
           </a:p>
@@ -1364,7 +1364,7 @@
             <a:fld id="{1D8BD707-D9CF-40AE-B4C6-C98DA3205C09}" type="datetimeFigureOut">
               <a:rPr lang="en-US" smtClean="0"/>
               <a:pPr/>
-              <a:t>10/22/2025</a:t>
+              <a:t>10/29/2025</a:t>
             </a:fld>
             <a:endParaRPr lang="en-US"/>
           </a:p>
@@ -1780,7 +1780,7 @@
             <a:fld id="{1D8BD707-D9CF-40AE-B4C6-C98DA3205C09}" type="datetimeFigureOut">
               <a:rPr lang="en-US" smtClean="0"/>
               <a:pPr/>
-              <a:t>10/22/2025</a:t>
+              <a:t>10/29/2025</a:t>
             </a:fld>
             <a:endParaRPr lang="en-US"/>
           </a:p>
@@ -1894,7 +1894,7 @@
             <a:fld id="{1D8BD707-D9CF-40AE-B4C6-C98DA3205C09}" type="datetimeFigureOut">
               <a:rPr lang="en-US" smtClean="0"/>
               <a:pPr/>
-              <a:t>10/22/2025</a:t>
+              <a:t>10/29/2025</a:t>
             </a:fld>
             <a:endParaRPr lang="en-US"/>
           </a:p>
@@ -1986,7 +1986,7 @@
             <a:fld id="{1D8BD707-D9CF-40AE-B4C6-C98DA3205C09}" type="datetimeFigureOut">
               <a:rPr lang="en-US" smtClean="0"/>
               <a:pPr/>
-              <a:t>10/22/2025</a:t>
+              <a:t>10/29/2025</a:t>
             </a:fld>
             <a:endParaRPr lang="en-US"/>
           </a:p>
@@ -2258,7 +2258,7 @@
             <a:fld id="{1D8BD707-D9CF-40AE-B4C6-C98DA3205C09}" type="datetimeFigureOut">
               <a:rPr lang="en-US" smtClean="0"/>
               <a:pPr/>
-              <a:t>10/22/2025</a:t>
+              <a:t>10/29/2025</a:t>
             </a:fld>
             <a:endParaRPr lang="en-US"/>
           </a:p>
@@ -2507,7 +2507,7 @@
             <a:fld id="{1D8BD707-D9CF-40AE-B4C6-C98DA3205C09}" type="datetimeFigureOut">
               <a:rPr lang="en-US" smtClean="0"/>
               <a:pPr/>
-              <a:t>10/22/2025</a:t>
+              <a:t>10/29/2025</a:t>
             </a:fld>
             <a:endParaRPr lang="en-US"/>
           </a:p>
@@ -2715,7 +2715,7 @@
             <a:fld id="{1D8BD707-D9CF-40AE-B4C6-C98DA3205C09}" type="datetimeFigureOut">
               <a:rPr lang="en-US" smtClean="0"/>
               <a:pPr/>
-              <a:t>10/22/2025</a:t>
+              <a:t>10/29/2025</a:t>
             </a:fld>
             <a:endParaRPr lang="en-US"/>
           </a:p>
@@ -7399,8 +7399,8 @@
         </p:nvGrpSpPr>
         <p:grpSpPr>
           <a:xfrm>
-            <a:off x="895350" y="3067050"/>
-            <a:ext cx="7286511" cy="6191250"/>
+            <a:off x="895350" y="2476500"/>
+            <a:ext cx="7286511" cy="6781800"/>
             <a:chOff x="0" y="0"/>
             <a:chExt cx="3852902" cy="3273759"/>
           </a:xfrm>
@@ -7473,8 +7473,8 @@
         </p:nvGrpSpPr>
         <p:grpSpPr>
           <a:xfrm>
-            <a:off x="9972789" y="3067050"/>
-            <a:ext cx="7286511" cy="6191250"/>
+            <a:off x="9972789" y="2476500"/>
+            <a:ext cx="7286511" cy="6781800"/>
             <a:chOff x="0" y="0"/>
             <a:chExt cx="3852902" cy="3273759"/>
           </a:xfrm>
@@ -7547,7 +7547,7 @@
         </p:nvSpPr>
         <p:spPr>
           <a:xfrm>
-            <a:off x="10339619" y="4209846"/>
+            <a:off x="10339618" y="3290708"/>
             <a:ext cx="6552852" cy="768870"/>
           </a:xfrm>
           <a:prstGeom prst="rect">
@@ -7566,7 +7566,7 @@
               </a:lnSpc>
             </a:pPr>
             <a:r>
-              <a:rPr lang="en-US" sz="5166" i="1" spc="51">
+              <a:rPr lang="en-US" sz="5166" i="1" spc="51" dirty="0" err="1">
                 <a:solidFill>
                   <a:srgbClr val="8E9564"/>
                 </a:solidFill>
@@ -7575,8 +7575,41 @@
                 <a:cs typeface="Lora Italics"/>
                 <a:sym typeface="Lora Italics"/>
               </a:rPr>
-              <a:t>Araştırma Sorusu</a:t>
-            </a:r>
+              <a:t>Araştırma</a:t>
+            </a:r>
+            <a:r>
+              <a:rPr lang="en-US" sz="5166" i="1" spc="51" dirty="0">
+                <a:solidFill>
+                  <a:srgbClr val="8E9564"/>
+                </a:solidFill>
+                <a:latin typeface="Lora Italics"/>
+                <a:ea typeface="Lora Italics"/>
+                <a:cs typeface="Lora Italics"/>
+                <a:sym typeface="Lora Italics"/>
+              </a:rPr>
+              <a:t> </a:t>
+            </a:r>
+            <a:r>
+              <a:rPr lang="en-US" sz="5166" i="1" spc="51" dirty="0" err="1">
+                <a:solidFill>
+                  <a:srgbClr val="8E9564"/>
+                </a:solidFill>
+                <a:latin typeface="Lora Italics"/>
+                <a:ea typeface="Lora Italics"/>
+                <a:cs typeface="Lora Italics"/>
+                <a:sym typeface="Lora Italics"/>
+              </a:rPr>
+              <a:t>Sorusu</a:t>
+            </a:r>
+            <a:endParaRPr lang="en-US" sz="5166" i="1" spc="51" dirty="0">
+              <a:solidFill>
+                <a:srgbClr val="8E9564"/>
+              </a:solidFill>
+              <a:latin typeface="Lora Italics"/>
+              <a:ea typeface="Lora Italics"/>
+              <a:cs typeface="Lora Italics"/>
+              <a:sym typeface="Lora Italics"/>
+            </a:endParaRPr>
           </a:p>
         </p:txBody>
       </p:sp>
@@ -7588,8 +7621,8 @@
         </p:nvSpPr>
         <p:spPr>
           <a:xfrm>
-            <a:off x="10339619" y="5202831"/>
-            <a:ext cx="6552852" cy="2721027"/>
+            <a:off x="10339618" y="4457700"/>
+            <a:ext cx="6552852" cy="3545842"/>
           </a:xfrm>
           <a:prstGeom prst="rect">
             <a:avLst/>
@@ -7607,17 +7640,18 @@
               </a:lnSpc>
             </a:pPr>
             <a:r>
-              <a:rPr lang="en-US" sz="3731">
-                <a:solidFill>
-                  <a:srgbClr val="000000"/>
-                </a:solidFill>
-                <a:latin typeface="Lora"/>
-                <a:ea typeface="Lora"/>
-                <a:cs typeface="Lora"/>
-                <a:sym typeface="Lora"/>
-              </a:rPr>
-              <a:t>Kadın ve erkek bilim insanları arasındaki başarı farkı fırsat eşitsizliğinden mi kaynaklanıyor?</a:t>
-            </a:r>
+              <a:rPr lang="tr-TR" sz="4000" dirty="0"/>
+              <a:t>Modernleşme süreçleri kadınların bilimsel alana katılımını teşvik ederken aynı zamanda yeni türden cinsiyetçi kalıpları nasıl üretmiştir?</a:t>
+            </a:r>
+            <a:endParaRPr lang="en-US" sz="3731" dirty="0">
+              <a:solidFill>
+                <a:srgbClr val="000000"/>
+              </a:solidFill>
+              <a:latin typeface="Lora"/>
+              <a:ea typeface="Lora"/>
+              <a:cs typeface="Lora"/>
+              <a:sym typeface="Lora"/>
+            </a:endParaRPr>
           </a:p>
         </p:txBody>
       </p:sp>
@@ -7629,7 +7663,7 @@
         </p:nvSpPr>
         <p:spPr>
           <a:xfrm>
-            <a:off x="1262179" y="3440976"/>
+            <a:off x="1262179" y="2858856"/>
             <a:ext cx="6552852" cy="768870"/>
           </a:xfrm>
           <a:prstGeom prst="rect">
@@ -7648,7 +7682,7 @@
               </a:lnSpc>
             </a:pPr>
             <a:r>
-              <a:rPr lang="en-US" sz="5166" i="1" spc="51">
+              <a:rPr lang="en-US" sz="5166" i="1" spc="51" dirty="0" err="1">
                 <a:solidFill>
                   <a:srgbClr val="8E9564"/>
                 </a:solidFill>
@@ -7659,6 +7693,15 @@
               </a:rPr>
               <a:t>Hipotez</a:t>
             </a:r>
+            <a:endParaRPr lang="en-US" sz="5166" i="1" spc="51" dirty="0">
+              <a:solidFill>
+                <a:srgbClr val="8E9564"/>
+              </a:solidFill>
+              <a:latin typeface="Lora Italics"/>
+              <a:ea typeface="Lora Italics"/>
+              <a:cs typeface="Lora Italics"/>
+              <a:sym typeface="Lora Italics"/>
+            </a:endParaRPr>
           </a:p>
         </p:txBody>
       </p:sp>
@@ -7670,15 +7713,15 @@
         </p:nvSpPr>
         <p:spPr>
           <a:xfrm>
-            <a:off x="1262179" y="4489506"/>
-            <a:ext cx="6552852" cy="4602606"/>
+            <a:off x="1078764" y="3628295"/>
+            <a:ext cx="6919682" cy="5488041"/>
           </a:xfrm>
           <a:prstGeom prst="rect">
             <a:avLst/>
           </a:prstGeom>
         </p:spPr>
         <p:txBody>
-          <a:bodyPr lIns="0" tIns="0" rIns="0" bIns="0" rtlCol="0" anchor="t">
+          <a:bodyPr wrap="square" lIns="0" tIns="0" rIns="0" bIns="0" rtlCol="0" anchor="t">
             <a:spAutoFit/>
           </a:bodyPr>
           <a:lstStyle/>
@@ -7689,17 +7732,18 @@
               </a:lnSpc>
             </a:pPr>
             <a:r>
-              <a:rPr lang="en-US" sz="3569">
-                <a:solidFill>
-                  <a:srgbClr val="000000"/>
-                </a:solidFill>
-                <a:latin typeface="Lora"/>
-                <a:ea typeface="Lora"/>
-                <a:cs typeface="Lora"/>
-                <a:sym typeface="Lora"/>
-              </a:rPr>
-              <a:t>Eğer kadın bilim insanları erkeklerle aynı eğitim ,destek ve çalışma fırsatlarına sahip olurlarsa o halde bilimsel üretkenlikte ve kariyer başarısında aralarındaki fark azalır.</a:t>
-            </a:r>
+              <a:rPr lang="tr-TR" sz="3600" dirty="0"/>
+              <a:t>Modernleşme, kadınların eğitime erişimini artırarak bilimde görünürlük sağlamış; ancak “modern kadın” imgesini belirli sınıfsal ve kültürel normlara hapsetmiş, böylece kadınların bilimdeki konumunu özgürleştirmek yerine yeniden biçimlendirmiştir.</a:t>
+            </a:r>
+            <a:endParaRPr lang="en-US" sz="3569" dirty="0">
+              <a:solidFill>
+                <a:srgbClr val="000000"/>
+              </a:solidFill>
+              <a:latin typeface="Lora"/>
+              <a:ea typeface="Lora"/>
+              <a:cs typeface="Lora"/>
+              <a:sym typeface="Lora"/>
+            </a:endParaRPr>
           </a:p>
         </p:txBody>
       </p:sp>
